--- a/onderwijsmateriaal/presentaties/Synchronisatie-mechanismen.pptx
+++ b/onderwijsmateriaal/presentaties/Synchronisatie-mechanismen.pptx
@@ -188,22 +188,6 @@
 <file path=ppt/changesInfos/changesInfo1.xml><?xml version="1.0" encoding="utf-8"?>
 <pc:chgInfo xmlns:a="http://schemas.openxmlformats.org/drawingml/2006/main" xmlns:r="http://schemas.openxmlformats.org/officeDocument/2006/relationships" xmlns:ac="http://schemas.microsoft.com/office/drawing/2013/main/command" xmlns:pc="http://schemas.microsoft.com/office/powerpoint/2013/main/command">
   <pc:docChgLst>
-    <pc:chgData name="Marius" userId="3db87500-6bb8-48d8-b495-b010ee39f961" providerId="ADAL" clId="{FDA9D110-42E3-4979-A71D-42330AEDF882}"/>
-    <pc:docChg chg="modSld">
-      <pc:chgData name="Marius" userId="3db87500-6bb8-48d8-b495-b010ee39f961" providerId="ADAL" clId="{FDA9D110-42E3-4979-A71D-42330AEDF882}" dt="2021-03-30T18:45:16.206" v="69" actId="20577"/>
-      <pc:docMkLst>
-        <pc:docMk/>
-      </pc:docMkLst>
-      <pc:sldChg chg="modNotesTx">
-        <pc:chgData name="Marius" userId="3db87500-6bb8-48d8-b495-b010ee39f961" providerId="ADAL" clId="{FDA9D110-42E3-4979-A71D-42330AEDF882}" dt="2021-03-30T18:45:16.206" v="69" actId="20577"/>
-        <pc:sldMkLst>
-          <pc:docMk/>
-          <pc:sldMk cId="3144117957" sldId="269"/>
-        </pc:sldMkLst>
-      </pc:sldChg>
-    </pc:docChg>
-  </pc:docChgLst>
-  <pc:docChgLst>
     <pc:chgData name="Marius Versteegen" userId="3db87500-6bb8-48d8-b495-b010ee39f961" providerId="ADAL" clId="{1F0DE88B-A95E-4522-8EAB-464E26711585}"/>
     <pc:docChg chg="undo custSel addSld delSld modSld">
       <pc:chgData name="Marius Versteegen" userId="3db87500-6bb8-48d8-b495-b010ee39f961" providerId="ADAL" clId="{1F0DE88B-A95E-4522-8EAB-464E26711585}" dt="2024-08-28T14:47:52.416" v="66" actId="47"/>
@@ -324,6 +308,29 @@
             <ac:spMk id="5" creationId="{3EA199AE-0865-44E8-B7D5-126F29575D2A}"/>
           </ac:spMkLst>
         </pc:spChg>
+      </pc:sldChg>
+    </pc:docChg>
+  </pc:docChgLst>
+  <pc:docChgLst>
+    <pc:chgData name="Marius Versteegen" userId="3db87500-6bb8-48d8-b495-b010ee39f961" providerId="ADAL" clId="{DF5988BE-1FC7-4AB2-AC01-49C8CC09952E}"/>
+    <pc:docChg chg="custSel modSld">
+      <pc:chgData name="Marius Versteegen" userId="3db87500-6bb8-48d8-b495-b010ee39f961" providerId="ADAL" clId="{DF5988BE-1FC7-4AB2-AC01-49C8CC09952E}" dt="2019-10-02T09:07:51.634" v="588" actId="20577"/>
+      <pc:docMkLst>
+        <pc:docMk/>
+      </pc:docMkLst>
+      <pc:sldChg chg="modNotesTx">
+        <pc:chgData name="Marius Versteegen" userId="3db87500-6bb8-48d8-b495-b010ee39f961" providerId="ADAL" clId="{DF5988BE-1FC7-4AB2-AC01-49C8CC09952E}" dt="2019-10-02T09:07:20.513" v="478" actId="20577"/>
+        <pc:sldMkLst>
+          <pc:docMk/>
+          <pc:sldMk cId="3144117957" sldId="269"/>
+        </pc:sldMkLst>
+      </pc:sldChg>
+      <pc:sldChg chg="modNotesTx">
+        <pc:chgData name="Marius Versteegen" userId="3db87500-6bb8-48d8-b495-b010ee39f961" providerId="ADAL" clId="{DF5988BE-1FC7-4AB2-AC01-49C8CC09952E}" dt="2019-10-02T09:07:51.634" v="588" actId="20577"/>
+        <pc:sldMkLst>
+          <pc:docMk/>
+          <pc:sldMk cId="3897852227" sldId="270"/>
+        </pc:sldMkLst>
       </pc:sldChg>
     </pc:docChg>
   </pc:docChgLst>
@@ -482,29 +489,6 @@
         <pc:sldMkLst>
           <pc:docMk/>
           <pc:sldMk cId="4243436059" sldId="282"/>
-        </pc:sldMkLst>
-      </pc:sldChg>
-    </pc:docChg>
-  </pc:docChgLst>
-  <pc:docChgLst>
-    <pc:chgData name="Marius Versteegen" userId="3db87500-6bb8-48d8-b495-b010ee39f961" providerId="ADAL" clId="{DF5988BE-1FC7-4AB2-AC01-49C8CC09952E}"/>
-    <pc:docChg chg="custSel modSld">
-      <pc:chgData name="Marius Versteegen" userId="3db87500-6bb8-48d8-b495-b010ee39f961" providerId="ADAL" clId="{DF5988BE-1FC7-4AB2-AC01-49C8CC09952E}" dt="2019-10-02T09:07:51.634" v="588" actId="20577"/>
-      <pc:docMkLst>
-        <pc:docMk/>
-      </pc:docMkLst>
-      <pc:sldChg chg="modNotesTx">
-        <pc:chgData name="Marius Versteegen" userId="3db87500-6bb8-48d8-b495-b010ee39f961" providerId="ADAL" clId="{DF5988BE-1FC7-4AB2-AC01-49C8CC09952E}" dt="2019-10-02T09:07:20.513" v="478" actId="20577"/>
-        <pc:sldMkLst>
-          <pc:docMk/>
-          <pc:sldMk cId="3144117957" sldId="269"/>
-        </pc:sldMkLst>
-      </pc:sldChg>
-      <pc:sldChg chg="modNotesTx">
-        <pc:chgData name="Marius Versteegen" userId="3db87500-6bb8-48d8-b495-b010ee39f961" providerId="ADAL" clId="{DF5988BE-1FC7-4AB2-AC01-49C8CC09952E}" dt="2019-10-02T09:07:51.634" v="588" actId="20577"/>
-        <pc:sldMkLst>
-          <pc:docMk/>
-          <pc:sldMk cId="3897852227" sldId="270"/>
         </pc:sldMkLst>
       </pc:sldChg>
     </pc:docChg>
@@ -680,6 +664,22 @@
       </pc:sldChg>
     </pc:docChg>
   </pc:docChgLst>
+  <pc:docChgLst>
+    <pc:chgData name="Marius" userId="3db87500-6bb8-48d8-b495-b010ee39f961" providerId="ADAL" clId="{FDA9D110-42E3-4979-A71D-42330AEDF882}"/>
+    <pc:docChg chg="modSld">
+      <pc:chgData name="Marius" userId="3db87500-6bb8-48d8-b495-b010ee39f961" providerId="ADAL" clId="{FDA9D110-42E3-4979-A71D-42330AEDF882}" dt="2021-03-30T18:45:16.206" v="69" actId="20577"/>
+      <pc:docMkLst>
+        <pc:docMk/>
+      </pc:docMkLst>
+      <pc:sldChg chg="modNotesTx">
+        <pc:chgData name="Marius" userId="3db87500-6bb8-48d8-b495-b010ee39f961" providerId="ADAL" clId="{FDA9D110-42E3-4979-A71D-42330AEDF882}" dt="2021-03-30T18:45:16.206" v="69" actId="20577"/>
+        <pc:sldMkLst>
+          <pc:docMk/>
+          <pc:sldMk cId="3144117957" sldId="269"/>
+        </pc:sldMkLst>
+      </pc:sldChg>
+    </pc:docChg>
+  </pc:docChgLst>
 </pc:chgInfo>
 </file>
 
@@ -765,7 +765,7 @@
           <a:p>
             <a:fld id="{02E6457D-7DAB-4A66-B831-8B634A6F749B}" type="datetimeFigureOut">
               <a:rPr lang="nl-NL" smtClean="0"/>
-              <a:t>28-8-2024</a:t>
+              <a:t>25-9-2025</a:t>
             </a:fld>
             <a:endParaRPr lang="nl-NL"/>
           </a:p>
@@ -924,7 +924,7 @@
           <a:p>
             <a:fld id="{8ED5F68B-2E41-4FF0-BDBD-B8149C428C8D}" type="slidenum">
               <a:rPr lang="nl-NL" smtClean="0"/>
-              <a:t>‹nr.›</a:t>
+              <a:t>‹#›</a:t>
             </a:fld>
             <a:endParaRPr lang="nl-NL"/>
           </a:p>
@@ -6526,7 +6526,7 @@
           <a:p>
             <a:fld id="{FFDD895D-0DAB-483F-8898-9598D9A8C713}" type="datetimeFigureOut">
               <a:rPr lang="nl-NL" smtClean="0"/>
-              <a:t>28-8-2024</a:t>
+              <a:t>25-9-2025</a:t>
             </a:fld>
             <a:endParaRPr lang="nl-NL"/>
           </a:p>
@@ -6568,7 +6568,7 @@
           <a:p>
             <a:fld id="{4548F9AD-8172-47CE-932C-97B564DEE354}" type="slidenum">
               <a:rPr lang="nl-NL" smtClean="0"/>
-              <a:t>‹nr.›</a:t>
+              <a:t>‹#›</a:t>
             </a:fld>
             <a:endParaRPr lang="nl-NL"/>
           </a:p>
@@ -6694,7 +6694,7 @@
           <a:p>
             <a:fld id="{A86A78F0-84DC-47AB-9729-191F22ED1DD3}" type="datetimeFigureOut">
               <a:rPr lang="nl-NL" smtClean="0"/>
-              <a:t>28-8-2024</a:t>
+              <a:t>25-9-2025</a:t>
             </a:fld>
             <a:endParaRPr lang="nl-NL"/>
           </a:p>
@@ -6736,7 +6736,7 @@
           <a:p>
             <a:fld id="{B4F5D918-6B6C-4888-BBBA-15B612F08CAD}" type="slidenum">
               <a:rPr lang="nl-NL" smtClean="0"/>
-              <a:t>‹nr.›</a:t>
+              <a:t>‹#›</a:t>
             </a:fld>
             <a:endParaRPr lang="nl-NL"/>
           </a:p>
@@ -8648,7 +8648,7 @@
                 <a:tabLst/>
                 <a:defRPr/>
               </a:pPr>
-              <a:t>‹nr.›</a:t>
+              <a:t>‹#›</a:t>
             </a:fld>
             <a:r>
               <a:rPr kumimoji="0" lang="en-US" sz="4400" b="1" i="0" u="none" strike="noStrike" kern="1200" cap="none" spc="0" normalizeH="0" baseline="30000" noProof="0" dirty="0">
@@ -19838,9 +19838,12 @@
 </file>
 
 <file path=customXml/item1.xml><?xml version="1.0" encoding="utf-8"?>
-<p:properties xmlns:p="http://schemas.microsoft.com/office/2006/metadata/properties" xmlns:xsi="http://www.w3.org/2001/XMLSchema-instance" xmlns:pc="http://schemas.microsoft.com/office/infopath/2007/PartnerControls">
-  <documentManagement/>
-</p:properties>
+<?mso-contentType ?>
+<FormTemplates xmlns="http://schemas.microsoft.com/sharepoint/v3/contenttype/forms">
+  <Display>DocumentLibraryForm</Display>
+  <Edit>DocumentLibraryForm</Edit>
+  <New>DocumentLibraryForm</New>
+</FormTemplates>
 </file>
 
 <file path=customXml/item2.xml><?xml version="1.0" encoding="utf-8"?>
@@ -20053,27 +20056,15 @@
 </file>
 
 <file path=customXml/item3.xml><?xml version="1.0" encoding="utf-8"?>
-<?mso-contentType ?>
-<FormTemplates xmlns="http://schemas.microsoft.com/sharepoint/v3/contenttype/forms">
-  <Display>DocumentLibraryForm</Display>
-  <Edit>DocumentLibraryForm</Edit>
-  <New>DocumentLibraryForm</New>
-</FormTemplates>
+<p:properties xmlns:p="http://schemas.microsoft.com/office/2006/metadata/properties" xmlns:xsi="http://www.w3.org/2001/XMLSchema-instance" xmlns:pc="http://schemas.microsoft.com/office/infopath/2007/PartnerControls">
+  <documentManagement/>
+</p:properties>
 </file>
 
 <file path=customXml/itemProps1.xml><?xml version="1.0" encoding="utf-8"?>
-<ds:datastoreItem xmlns:ds="http://schemas.openxmlformats.org/officeDocument/2006/customXml" ds:itemID="{B16B8835-43AA-4274-9378-6A8FAFA5DB7E}">
+<ds:datastoreItem xmlns:ds="http://schemas.openxmlformats.org/officeDocument/2006/customXml" ds:itemID="{8714433F-72B8-4620-9D32-369987AD57F0}">
   <ds:schemaRefs>
-    <ds:schemaRef ds:uri="50b39fbc-1150-4aa4-afb7-c768c80d9045"/>
-    <ds:schemaRef ds:uri="http://schemas.microsoft.com/office/2006/documentManagement/types"/>
-    <ds:schemaRef ds:uri="d107a656-64f0-4a0f-beb7-e90d5d2c318f"/>
-    <ds:schemaRef ds:uri="http://schemas.microsoft.com/office/infopath/2007/PartnerControls"/>
-    <ds:schemaRef ds:uri="http://purl.org/dc/elements/1.1/"/>
-    <ds:schemaRef ds:uri="http://schemas.microsoft.com/office/2006/metadata/properties"/>
-    <ds:schemaRef ds:uri="http://purl.org/dc/terms/"/>
-    <ds:schemaRef ds:uri="http://schemas.openxmlformats.org/package/2006/metadata/core-properties"/>
-    <ds:schemaRef ds:uri="http://www.w3.org/XML/1998/namespace"/>
-    <ds:schemaRef ds:uri="http://purl.org/dc/dcmitype/"/>
+    <ds:schemaRef ds:uri="http://schemas.microsoft.com/sharepoint/v3/contenttype/forms"/>
   </ds:schemaRefs>
 </ds:datastoreItem>
 </file>
@@ -20098,9 +20089,18 @@
 </file>
 
 <file path=customXml/itemProps3.xml><?xml version="1.0" encoding="utf-8"?>
-<ds:datastoreItem xmlns:ds="http://schemas.openxmlformats.org/officeDocument/2006/customXml" ds:itemID="{8714433F-72B8-4620-9D32-369987AD57F0}">
+<ds:datastoreItem xmlns:ds="http://schemas.openxmlformats.org/officeDocument/2006/customXml" ds:itemID="{B16B8835-43AA-4274-9378-6A8FAFA5DB7E}">
   <ds:schemaRefs>
-    <ds:schemaRef ds:uri="http://schemas.microsoft.com/sharepoint/v3/contenttype/forms"/>
+    <ds:schemaRef ds:uri="50b39fbc-1150-4aa4-afb7-c768c80d9045"/>
+    <ds:schemaRef ds:uri="http://schemas.microsoft.com/office/2006/documentManagement/types"/>
+    <ds:schemaRef ds:uri="d107a656-64f0-4a0f-beb7-e90d5d2c318f"/>
+    <ds:schemaRef ds:uri="http://schemas.microsoft.com/office/infopath/2007/PartnerControls"/>
+    <ds:schemaRef ds:uri="http://purl.org/dc/elements/1.1/"/>
+    <ds:schemaRef ds:uri="http://schemas.microsoft.com/office/2006/metadata/properties"/>
+    <ds:schemaRef ds:uri="http://purl.org/dc/terms/"/>
+    <ds:schemaRef ds:uri="http://schemas.openxmlformats.org/package/2006/metadata/core-properties"/>
+    <ds:schemaRef ds:uri="http://www.w3.org/XML/1998/namespace"/>
+    <ds:schemaRef ds:uri="http://purl.org/dc/dcmitype/"/>
   </ds:schemaRefs>
 </ds:datastoreItem>
 </file>